--- a/report/Презентация.pptx
+++ b/report/Презентация.pptx
@@ -12,6 +12,7 @@
     <p:sldId id="260" r:id="rId6"/>
     <p:sldId id="261" r:id="rId7"/>
     <p:sldId id="262" r:id="rId8"/>
+    <p:sldId id="263" r:id="rId9"/>
   </p:sldIdLst>
   <p:sldSz cx="12192000" cy="6858000"/>
   <p:notesSz cx="6858000" cy="9144000"/>
@@ -110,6 +111,11 @@
       </a:defRPr>
     </a:lvl9pPr>
   </p:defaultTextStyle>
+  <p:extLst>
+    <p:ext uri="{EFAFB233-063F-42B5-8137-9DF3F51BA10A}">
+      <p15:sldGuideLst xmlns:p15="http://schemas.microsoft.com/office/powerpoint/2012/main"/>
+    </p:ext>
+  </p:extLst>
 </p:presentation>
 </file>
 
@@ -2776,7 +2782,7 @@
           <a:p>
             <a:fld id="{CD1B7803-DEC7-4699-AD2A-E2E1FE287CC0}" type="datetimeFigureOut">
               <a:rPr lang="ru-RU" smtClean="0"/>
-              <a:t>08.12.2019</a:t>
+              <a:t>10.12.2019</a:t>
             </a:fld>
             <a:endParaRPr lang="ru-RU"/>
           </a:p>
@@ -2974,7 +2980,7 @@
           <a:p>
             <a:fld id="{CD1B7803-DEC7-4699-AD2A-E2E1FE287CC0}" type="datetimeFigureOut">
               <a:rPr lang="ru-RU" smtClean="0"/>
-              <a:t>08.12.2019</a:t>
+              <a:t>10.12.2019</a:t>
             </a:fld>
             <a:endParaRPr lang="ru-RU"/>
           </a:p>
@@ -3182,7 +3188,7 @@
           <a:p>
             <a:fld id="{CD1B7803-DEC7-4699-AD2A-E2E1FE287CC0}" type="datetimeFigureOut">
               <a:rPr lang="ru-RU" smtClean="0"/>
-              <a:t>08.12.2019</a:t>
+              <a:t>10.12.2019</a:t>
             </a:fld>
             <a:endParaRPr lang="ru-RU"/>
           </a:p>
@@ -3380,7 +3386,7 @@
           <a:p>
             <a:fld id="{CD1B7803-DEC7-4699-AD2A-E2E1FE287CC0}" type="datetimeFigureOut">
               <a:rPr lang="ru-RU" smtClean="0"/>
-              <a:t>08.12.2019</a:t>
+              <a:t>10.12.2019</a:t>
             </a:fld>
             <a:endParaRPr lang="ru-RU"/>
           </a:p>
@@ -3655,7 +3661,7 @@
           <a:p>
             <a:fld id="{CD1B7803-DEC7-4699-AD2A-E2E1FE287CC0}" type="datetimeFigureOut">
               <a:rPr lang="ru-RU" smtClean="0"/>
-              <a:t>08.12.2019</a:t>
+              <a:t>10.12.2019</a:t>
             </a:fld>
             <a:endParaRPr lang="ru-RU"/>
           </a:p>
@@ -3920,7 +3926,7 @@
           <a:p>
             <a:fld id="{CD1B7803-DEC7-4699-AD2A-E2E1FE287CC0}" type="datetimeFigureOut">
               <a:rPr lang="ru-RU" smtClean="0"/>
-              <a:t>08.12.2019</a:t>
+              <a:t>10.12.2019</a:t>
             </a:fld>
             <a:endParaRPr lang="ru-RU"/>
           </a:p>
@@ -4332,7 +4338,7 @@
           <a:p>
             <a:fld id="{CD1B7803-DEC7-4699-AD2A-E2E1FE287CC0}" type="datetimeFigureOut">
               <a:rPr lang="ru-RU" smtClean="0"/>
-              <a:t>08.12.2019</a:t>
+              <a:t>10.12.2019</a:t>
             </a:fld>
             <a:endParaRPr lang="ru-RU"/>
           </a:p>
@@ -4473,7 +4479,7 @@
           <a:p>
             <a:fld id="{CD1B7803-DEC7-4699-AD2A-E2E1FE287CC0}" type="datetimeFigureOut">
               <a:rPr lang="ru-RU" smtClean="0"/>
-              <a:t>08.12.2019</a:t>
+              <a:t>10.12.2019</a:t>
             </a:fld>
             <a:endParaRPr lang="ru-RU"/>
           </a:p>
@@ -4586,7 +4592,7 @@
           <a:p>
             <a:fld id="{CD1B7803-DEC7-4699-AD2A-E2E1FE287CC0}" type="datetimeFigureOut">
               <a:rPr lang="ru-RU" smtClean="0"/>
-              <a:t>08.12.2019</a:t>
+              <a:t>10.12.2019</a:t>
             </a:fld>
             <a:endParaRPr lang="ru-RU"/>
           </a:p>
@@ -4897,7 +4903,7 @@
           <a:p>
             <a:fld id="{CD1B7803-DEC7-4699-AD2A-E2E1FE287CC0}" type="datetimeFigureOut">
               <a:rPr lang="ru-RU" smtClean="0"/>
-              <a:t>08.12.2019</a:t>
+              <a:t>10.12.2019</a:t>
             </a:fld>
             <a:endParaRPr lang="ru-RU"/>
           </a:p>
@@ -5185,7 +5191,7 @@
           <a:p>
             <a:fld id="{CD1B7803-DEC7-4699-AD2A-E2E1FE287CC0}" type="datetimeFigureOut">
               <a:rPr lang="ru-RU" smtClean="0"/>
-              <a:t>08.12.2019</a:t>
+              <a:t>10.12.2019</a:t>
             </a:fld>
             <a:endParaRPr lang="ru-RU"/>
           </a:p>
@@ -5426,7 +5432,7 @@
           <a:p>
             <a:fld id="{CD1B7803-DEC7-4699-AD2A-E2E1FE287CC0}" type="datetimeFigureOut">
               <a:rPr lang="ru-RU" smtClean="0"/>
-              <a:t>08.12.2019</a:t>
+              <a:t>10.12.2019</a:t>
             </a:fld>
             <a:endParaRPr lang="ru-RU"/>
           </a:p>
@@ -6050,7 +6056,7 @@
         </p:nvSpPr>
         <p:spPr>
           <a:xfrm>
-            <a:off x="1205127" y="1730609"/>
+            <a:off x="1205126" y="1747386"/>
             <a:ext cx="9781745" cy="4062651"/>
           </a:xfrm>
           <a:prstGeom prst="rect">
@@ -6205,8 +6211,8 @@
           </a:p>
         </p:txBody>
       </p:sp>
-      <mc:AlternateContent xmlns:mc="http://schemas.openxmlformats.org/markup-compatibility/2006">
-        <mc:Choice xmlns:a14="http://schemas.microsoft.com/office/drawing/2010/main" Requires="a14">
+      <mc:AlternateContent xmlns:mc="http://schemas.openxmlformats.org/markup-compatibility/2006" xmlns:a14="http://schemas.microsoft.com/office/drawing/2010/main">
+        <mc:Choice Requires="a14">
           <p:graphicFrame>
             <p:nvGraphicFramePr>
               <p:cNvPr id="5" name="Таблица 4">
@@ -6678,8 +6684,9 @@
                                 <m:sSup>
                                   <m:sSupPr>
                                     <m:ctrlPr>
-                                      <a:rPr lang="ru-RU" sz="1400" b="0">
+                                      <a:rPr lang="ru-RU" sz="1400" b="0" i="1">
                                         <a:effectLst/>
+                                        <a:latin typeface="Cambria Math" panose="02040503050406030204" pitchFamily="18" charset="0"/>
                                       </a:rPr>
                                     </m:ctrlPr>
                                   </m:sSupPr>
@@ -7136,7 +7143,7 @@
             </a:graphic>
           </p:graphicFrame>
         </mc:Choice>
-        <mc:Fallback>
+        <mc:Fallback xmlns="">
           <p:graphicFrame>
             <p:nvGraphicFramePr>
               <p:cNvPr id="5" name="Таблица 4">
@@ -8186,7 +8193,7 @@
             <a:pPr algn="ctr"/>
             <a:r>
               <a:rPr lang="ru-RU" sz="4800" dirty="0"/>
-              <a:t>Общий алгоритм работы программы</a:t>
+              <a:t>Алгоритм работы программы</a:t>
             </a:r>
           </a:p>
         </p:txBody>
@@ -8483,6 +8490,50 @@
           <a:chExt cx="0" cy="0"/>
         </a:xfrm>
       </p:grpSpPr>
+      <p:sp>
+        <p:nvSpPr>
+          <p:cNvPr id="12" name="Заголовок 1">
+            <a:extLst>
+              <a:ext uri="{FF2B5EF4-FFF2-40B4-BE49-F238E27FC236}">
+                <a16:creationId xmlns:a16="http://schemas.microsoft.com/office/drawing/2014/main" id="{C8CDD5F7-3258-4E14-BC67-93FF5AC7FA65}"/>
+              </a:ext>
+            </a:extLst>
+          </p:cNvPr>
+          <p:cNvSpPr>
+            <a:spLocks noGrp="1"/>
+          </p:cNvSpPr>
+          <p:nvPr>
+            <p:ph type="title"/>
+          </p:nvPr>
+        </p:nvSpPr>
+        <p:spPr>
+          <a:xfrm>
+            <a:off x="2042278" y="358797"/>
+            <a:ext cx="8107445" cy="1144893"/>
+          </a:xfrm>
+        </p:spPr>
+        <p:txBody>
+          <a:bodyPr>
+            <a:noAutofit/>
+          </a:bodyPr>
+          <a:lstStyle/>
+          <a:p>
+            <a:pPr algn="ctr"/>
+            <a:r>
+              <a:rPr lang="ru-RU" dirty="0"/>
+              <a:t>Результаты экспериментальных</a:t>
+            </a:r>
+            <a:br>
+              <a:rPr lang="ru-RU" sz="4800" dirty="0"/>
+            </a:br>
+            <a:r>
+              <a:rPr lang="ru-RU" dirty="0"/>
+              <a:t>исследований</a:t>
+            </a:r>
+            <a:endParaRPr lang="ru-RU" sz="4800" dirty="0"/>
+          </a:p>
+        </p:txBody>
+      </p:sp>
       <p:graphicFrame>
         <p:nvGraphicFramePr>
           <p:cNvPr id="5" name="Диаграмма 4">
@@ -8496,13 +8547,13 @@
           <p:nvPr>
             <p:extLst>
               <p:ext uri="{D42A27DB-BD31-4B8C-83A1-F6EECF244321}">
-                <p14:modId xmlns:p14="http://schemas.microsoft.com/office/powerpoint/2010/main" val="852435222"/>
+                <p14:modId xmlns:p14="http://schemas.microsoft.com/office/powerpoint/2010/main" val="671950633"/>
               </p:ext>
             </p:extLst>
           </p:nvPr>
         </p:nvGraphicFramePr>
         <p:xfrm>
-          <a:off x="431689" y="2302709"/>
+          <a:off x="333677" y="2535171"/>
           <a:ext cx="5315777" cy="3780457"/>
         </p:xfrm>
         <a:graphic>
@@ -8524,13 +8575,13 @@
           <p:nvPr>
             <p:extLst>
               <p:ext uri="{D42A27DB-BD31-4B8C-83A1-F6EECF244321}">
-                <p14:modId xmlns:p14="http://schemas.microsoft.com/office/powerpoint/2010/main" val="3709563724"/>
+                <p14:modId xmlns:p14="http://schemas.microsoft.com/office/powerpoint/2010/main" val="546031407"/>
               </p:ext>
             </p:extLst>
           </p:nvPr>
         </p:nvGraphicFramePr>
         <p:xfrm>
-          <a:off x="6169329" y="2302709"/>
+          <a:off x="6169328" y="2535171"/>
           <a:ext cx="5688995" cy="3780457"/>
         </p:xfrm>
         <a:graphic>
@@ -8553,8 +8604,8 @@
         </p:nvSpPr>
         <p:spPr>
           <a:xfrm>
-            <a:off x="4279349" y="1389430"/>
-            <a:ext cx="3633302" cy="369332"/>
+            <a:off x="4090451" y="1637423"/>
+            <a:ext cx="4011098" cy="400110"/>
           </a:xfrm>
           <a:prstGeom prst="rect">
             <a:avLst/>
@@ -8568,14 +8619,14 @@
           <a:lstStyle/>
           <a:p>
             <a:r>
-              <a:rPr lang="ru-RU" dirty="0"/>
+              <a:rPr lang="ru-RU" sz="2000" dirty="0"/>
               <a:t>Зависимость времени рендеринга</a:t>
             </a:r>
             <a:r>
-              <a:rPr lang="en-US" dirty="0"/>
+              <a:rPr lang="en-US" sz="2000" dirty="0"/>
               <a:t>:</a:t>
             </a:r>
-            <a:endParaRPr lang="ru-RU" dirty="0"/>
+            <a:endParaRPr lang="ru-RU" sz="2000" dirty="0"/>
           </a:p>
         </p:txBody>
       </p:sp>
@@ -8593,7 +8644,7 @@
         </p:nvSpPr>
         <p:spPr>
           <a:xfrm>
-            <a:off x="1379294" y="1821234"/>
+            <a:off x="1119610" y="2032106"/>
             <a:ext cx="3743910" cy="369332"/>
           </a:xfrm>
           <a:prstGeom prst="rect">
@@ -8632,7 +8683,7 @@
         </p:nvSpPr>
         <p:spPr>
           <a:xfrm>
-            <a:off x="6790589" y="1821234"/>
+            <a:off x="6790588" y="2032106"/>
             <a:ext cx="4446474" cy="369332"/>
           </a:xfrm>
           <a:prstGeom prst="rect">
@@ -8657,12 +8708,42 @@
           </a:p>
         </p:txBody>
       </p:sp>
+    </p:spTree>
+    <p:extLst>
+      <p:ext uri="{BB962C8B-B14F-4D97-AF65-F5344CB8AC3E}">
+        <p14:creationId xmlns:p14="http://schemas.microsoft.com/office/powerpoint/2010/main" val="3655862455"/>
+      </p:ext>
+    </p:extLst>
+  </p:cSld>
+  <p:clrMapOvr>
+    <a:masterClrMapping/>
+  </p:clrMapOvr>
+</p:sld>
+</file>
+
+<file path=ppt/slides/slide8.xml><?xml version="1.0" encoding="utf-8"?>
+<p:sld xmlns:a="http://schemas.openxmlformats.org/drawingml/2006/main" xmlns:r="http://schemas.openxmlformats.org/officeDocument/2006/relationships" xmlns:p="http://schemas.openxmlformats.org/presentationml/2006/main">
+  <p:cSld>
+    <p:spTree>
+      <p:nvGrpSpPr>
+        <p:cNvPr id="1" name=""/>
+        <p:cNvGrpSpPr/>
+        <p:nvPr/>
+      </p:nvGrpSpPr>
+      <p:grpSpPr>
+        <a:xfrm>
+          <a:off x="0" y="0"/>
+          <a:ext cx="0" cy="0"/>
+          <a:chOff x="0" y="0"/>
+          <a:chExt cx="0" cy="0"/>
+        </a:xfrm>
+      </p:grpSpPr>
       <p:sp>
         <p:nvSpPr>
-          <p:cNvPr id="12" name="Заголовок 1">
+          <p:cNvPr id="2" name="Заголовок 1">
             <a:extLst>
               <a:ext uri="{FF2B5EF4-FFF2-40B4-BE49-F238E27FC236}">
-                <a16:creationId xmlns:a16="http://schemas.microsoft.com/office/drawing/2014/main" id="{C8CDD5F7-3258-4E14-BC67-93FF5AC7FA65}"/>
+                <a16:creationId xmlns:a16="http://schemas.microsoft.com/office/drawing/2014/main" id="{985B9BD7-1FDD-4E86-AFB9-4B5CED8CE62E}"/>
               </a:ext>
             </a:extLst>
           </p:cNvPr>
@@ -8675,7 +8756,7 @@
         </p:nvSpPr>
         <p:spPr>
           <a:xfrm>
-            <a:off x="3251249" y="358797"/>
+            <a:off x="3251248" y="492293"/>
             <a:ext cx="5689502" cy="1144893"/>
           </a:xfrm>
         </p:spPr>
@@ -8688,15 +8769,107 @@
             <a:pPr algn="ctr"/>
             <a:r>
               <a:rPr lang="ru-RU" sz="4800" dirty="0"/>
-              <a:t>Исследование</a:t>
-            </a:r>
+              <a:t>Заключение</a:t>
+            </a:r>
+          </a:p>
+        </p:txBody>
+      </p:sp>
+      <p:sp>
+        <p:nvSpPr>
+          <p:cNvPr id="3" name="TextBox 2">
+            <a:extLst>
+              <a:ext uri="{FF2B5EF4-FFF2-40B4-BE49-F238E27FC236}">
+                <a16:creationId xmlns:a16="http://schemas.microsoft.com/office/drawing/2014/main" id="{13EF5E31-3608-4D63-B7CE-0F45515B4C08}"/>
+              </a:ext>
+            </a:extLst>
+          </p:cNvPr>
+          <p:cNvSpPr txBox="1"/>
+          <p:nvPr/>
+        </p:nvSpPr>
+        <p:spPr>
+          <a:xfrm>
+            <a:off x="1663770" y="1847057"/>
+            <a:ext cx="8864458" cy="4370427"/>
+          </a:xfrm>
+          <a:prstGeom prst="rect">
+            <a:avLst/>
+          </a:prstGeom>
+          <a:noFill/>
+        </p:spPr>
+        <p:txBody>
+          <a:bodyPr wrap="square" rtlCol="0" anchor="ctr">
+            <a:spAutoFit/>
+          </a:bodyPr>
+          <a:lstStyle/>
+          <a:p>
+            <a:pPr marL="285750" indent="-285750">
+              <a:buFont typeface="Arial" panose="020B0604020202020204" pitchFamily="34" charset="0"/>
+              <a:buChar char="•"/>
+            </a:pPr>
+            <a:r>
+              <a:rPr lang="ru-RU" sz="2000" dirty="0"/>
+              <a:t>Был разработан программный продукт, позволяющий создавать и редактировать композиции из трехмерных графических примитивов.</a:t>
+            </a:r>
+          </a:p>
+          <a:p>
+            <a:endParaRPr lang="ru-RU" sz="2000" dirty="0"/>
+          </a:p>
+          <a:p>
+            <a:pPr marL="342900" indent="-342900">
+              <a:buFont typeface="Arial" panose="020B0604020202020204" pitchFamily="34" charset="0"/>
+              <a:buChar char="•"/>
+            </a:pPr>
+            <a:r>
+              <a:rPr lang="ru-RU" sz="2000" dirty="0"/>
+              <a:t>Рассмотрены, проанализированы и реализованы основные алгоритмы построения реалистичного трехмерного изображения.</a:t>
+            </a:r>
+          </a:p>
+          <a:p>
+            <a:endParaRPr lang="ru-RU" sz="2000" dirty="0"/>
+          </a:p>
+          <a:p>
+            <a:pPr marL="285750" indent="-285750">
+              <a:buFont typeface="Arial" panose="020B0604020202020204" pitchFamily="34" charset="0"/>
+              <a:buChar char="•"/>
+            </a:pPr>
+            <a:r>
+              <a:rPr lang="ru-RU" sz="2000" dirty="0"/>
+              <a:t>Спроектирован пользовательский интерфейс, предоставляющий широкие возможности настройки геометрических и спектральных характеристик объектов, положения камеры и положения и цвета источника освещения.</a:t>
+            </a:r>
+          </a:p>
+          <a:p>
+            <a:endParaRPr lang="ru-RU" sz="2000" dirty="0"/>
+          </a:p>
+          <a:p>
+            <a:pPr marL="285750" indent="-285750">
+              <a:buFont typeface="Arial" panose="020B0604020202020204" pitchFamily="34" charset="0"/>
+              <a:buChar char="•"/>
+            </a:pPr>
+            <a:r>
+              <a:rPr lang="ru-RU" sz="2000" dirty="0"/>
+              <a:t>Проведены и проанализированы экспериментальные исследования временных характеристик разработанного программного продукта.</a:t>
+            </a:r>
+          </a:p>
+          <a:p>
+            <a:pPr algn="just"/>
+            <a:r>
+              <a:rPr lang="ru-RU" sz="2000" dirty="0"/>
+              <a:t>	</a:t>
+            </a:r>
+          </a:p>
+          <a:p>
+            <a:pPr marL="742950" lvl="1" indent="-285750">
+              <a:buFont typeface="Arial" panose="020B0604020202020204" pitchFamily="34" charset="0"/>
+              <a:buChar char="•"/>
+            </a:pPr>
+            <a:endParaRPr lang="ru-RU" dirty="0"/>
           </a:p>
         </p:txBody>
       </p:sp>
     </p:spTree>
     <p:extLst>
       <p:ext uri="{BB962C8B-B14F-4D97-AF65-F5344CB8AC3E}">
-        <p14:creationId xmlns:p14="http://schemas.microsoft.com/office/powerpoint/2010/main" val="3655862455"/>
+        <p14:creationId xmlns:p14="http://schemas.microsoft.com/office/powerpoint/2010/main" val="2333651299"/>
       </p:ext>
     </p:extLst>
   </p:cSld>
